--- a/Web development_4100E211_20211208.pptx
+++ b/Web development_4100E211_20211208.pptx
@@ -17,13 +17,19 @@
     <p:sldId id="265" r:id="rId11"/>
     <p:sldId id="266" r:id="rId12"/>
     <p:sldId id="268" r:id="rId13"/>
-    <p:sldId id="269" r:id="rId14"/>
-    <p:sldId id="270" r:id="rId15"/>
-    <p:sldId id="271" r:id="rId16"/>
-    <p:sldId id="272" r:id="rId17"/>
-    <p:sldId id="273" r:id="rId18"/>
-    <p:sldId id="274" r:id="rId19"/>
-    <p:sldId id="275" r:id="rId20"/>
+    <p:sldId id="276" r:id="rId14"/>
+    <p:sldId id="277" r:id="rId15"/>
+    <p:sldId id="280" r:id="rId16"/>
+    <p:sldId id="278" r:id="rId17"/>
+    <p:sldId id="279" r:id="rId18"/>
+    <p:sldId id="281" r:id="rId19"/>
+    <p:sldId id="269" r:id="rId20"/>
+    <p:sldId id="270" r:id="rId21"/>
+    <p:sldId id="271" r:id="rId22"/>
+    <p:sldId id="272" r:id="rId23"/>
+    <p:sldId id="273" r:id="rId24"/>
+    <p:sldId id="274" r:id="rId25"/>
+    <p:sldId id="275" r:id="rId26"/>
   </p:sldIdLst>
   <p:sldSz cx="9144000" cy="6858000" type="screen4x3"/>
   <p:notesSz cx="6858000" cy="9144000"/>
@@ -293,7 +299,7 @@
           <a:p>
             <a:fld id="{0220A786-FFAF-4509-A53D-1665837FCACB}" type="datetimeFigureOut">
               <a:rPr lang="zh-TW" altLang="en-US" smtClean="0"/>
-              <a:t>2021/12/22</a:t>
+              <a:t>2021/12/29</a:t>
             </a:fld>
             <a:endParaRPr lang="zh-TW" altLang="en-US"/>
           </a:p>
@@ -463,7 +469,7 @@
           <a:p>
             <a:fld id="{0220A786-FFAF-4509-A53D-1665837FCACB}" type="datetimeFigureOut">
               <a:rPr lang="zh-TW" altLang="en-US" smtClean="0"/>
-              <a:t>2021/12/22</a:t>
+              <a:t>2021/12/29</a:t>
             </a:fld>
             <a:endParaRPr lang="zh-TW" altLang="en-US"/>
           </a:p>
@@ -643,7 +649,7 @@
           <a:p>
             <a:fld id="{0220A786-FFAF-4509-A53D-1665837FCACB}" type="datetimeFigureOut">
               <a:rPr lang="zh-TW" altLang="en-US" smtClean="0"/>
-              <a:t>2021/12/22</a:t>
+              <a:t>2021/12/29</a:t>
             </a:fld>
             <a:endParaRPr lang="zh-TW" altLang="en-US"/>
           </a:p>
@@ -813,7 +819,7 @@
           <a:p>
             <a:fld id="{0220A786-FFAF-4509-A53D-1665837FCACB}" type="datetimeFigureOut">
               <a:rPr lang="zh-TW" altLang="en-US" smtClean="0"/>
-              <a:t>2021/12/22</a:t>
+              <a:t>2021/12/29</a:t>
             </a:fld>
             <a:endParaRPr lang="zh-TW" altLang="en-US"/>
           </a:p>
@@ -1081,7 +1087,7 @@
           <a:p>
             <a:fld id="{0220A786-FFAF-4509-A53D-1665837FCACB}" type="datetimeFigureOut">
               <a:rPr lang="zh-TW" altLang="en-US" smtClean="0"/>
-              <a:t>2021/12/22</a:t>
+              <a:t>2021/12/29</a:t>
             </a:fld>
             <a:endParaRPr lang="zh-TW" altLang="en-US"/>
           </a:p>
@@ -1313,7 +1319,7 @@
           <a:p>
             <a:fld id="{0220A786-FFAF-4509-A53D-1665837FCACB}" type="datetimeFigureOut">
               <a:rPr lang="zh-TW" altLang="en-US" smtClean="0"/>
-              <a:t>2021/12/22</a:t>
+              <a:t>2021/12/29</a:t>
             </a:fld>
             <a:endParaRPr lang="zh-TW" altLang="en-US"/>
           </a:p>
@@ -1672,7 +1678,7 @@
           <a:p>
             <a:fld id="{0220A786-FFAF-4509-A53D-1665837FCACB}" type="datetimeFigureOut">
               <a:rPr lang="zh-TW" altLang="en-US" smtClean="0"/>
-              <a:t>2021/12/22</a:t>
+              <a:t>2021/12/29</a:t>
             </a:fld>
             <a:endParaRPr lang="zh-TW" altLang="en-US"/>
           </a:p>
@@ -1813,7 +1819,7 @@
           <a:p>
             <a:fld id="{0220A786-FFAF-4509-A53D-1665837FCACB}" type="datetimeFigureOut">
               <a:rPr lang="zh-TW" altLang="en-US" smtClean="0"/>
-              <a:t>2021/12/22</a:t>
+              <a:t>2021/12/29</a:t>
             </a:fld>
             <a:endParaRPr lang="zh-TW" altLang="en-US"/>
           </a:p>
@@ -1908,7 +1914,7 @@
           <a:p>
             <a:fld id="{0220A786-FFAF-4509-A53D-1665837FCACB}" type="datetimeFigureOut">
               <a:rPr lang="zh-TW" altLang="en-US" smtClean="0"/>
-              <a:t>2021/12/22</a:t>
+              <a:t>2021/12/29</a:t>
             </a:fld>
             <a:endParaRPr lang="zh-TW" altLang="en-US"/>
           </a:p>
@@ -2265,7 +2271,7 @@
           <a:p>
             <a:fld id="{0220A786-FFAF-4509-A53D-1665837FCACB}" type="datetimeFigureOut">
               <a:rPr lang="zh-TW" altLang="en-US" smtClean="0"/>
-              <a:t>2021/12/22</a:t>
+              <a:t>2021/12/29</a:t>
             </a:fld>
             <a:endParaRPr lang="zh-TW" altLang="en-US"/>
           </a:p>
@@ -2624,7 +2630,7 @@
           <a:p>
             <a:fld id="{0220A786-FFAF-4509-A53D-1665837FCACB}" type="datetimeFigureOut">
               <a:rPr lang="zh-TW" altLang="en-US" smtClean="0"/>
-              <a:t>2021/12/22</a:t>
+              <a:t>2021/12/29</a:t>
             </a:fld>
             <a:endParaRPr lang="zh-TW" altLang="en-US"/>
           </a:p>
@@ -2867,7 +2873,7 @@
           <a:p>
             <a:fld id="{0220A786-FFAF-4509-A53D-1665837FCACB}" type="datetimeFigureOut">
               <a:rPr lang="zh-TW" altLang="en-US" smtClean="0"/>
-              <a:t>2021/12/22</a:t>
+              <a:t>2021/12/29</a:t>
             </a:fld>
             <a:endParaRPr lang="zh-TW" altLang="en-US"/>
           </a:p>
@@ -3730,6 +3736,666 @@
           <a:chExt cx="0" cy="0"/>
         </a:xfrm>
       </p:grpSpPr>
+      <p:pic>
+        <p:nvPicPr>
+          <p:cNvPr id="2" name="圖片 1"/>
+          <p:cNvPicPr>
+            <a:picLocks noChangeAspect="1"/>
+          </p:cNvPicPr>
+          <p:nvPr/>
+        </p:nvPicPr>
+        <p:blipFill>
+          <a:blip r:embed="rId2"/>
+          <a:stretch>
+            <a:fillRect/>
+          </a:stretch>
+        </p:blipFill>
+        <p:spPr>
+          <a:xfrm>
+            <a:off x="3897716" y="3059083"/>
+            <a:ext cx="5135369" cy="3558194"/>
+          </a:xfrm>
+          <a:prstGeom prst="rect">
+            <a:avLst/>
+          </a:prstGeom>
+        </p:spPr>
+      </p:pic>
+      <p:pic>
+        <p:nvPicPr>
+          <p:cNvPr id="3" name="圖片 2"/>
+          <p:cNvPicPr>
+            <a:picLocks noChangeAspect="1"/>
+          </p:cNvPicPr>
+          <p:nvPr/>
+        </p:nvPicPr>
+        <p:blipFill>
+          <a:blip r:embed="rId3"/>
+          <a:stretch>
+            <a:fillRect/>
+          </a:stretch>
+        </p:blipFill>
+        <p:spPr>
+          <a:xfrm>
+            <a:off x="114994" y="141186"/>
+            <a:ext cx="5205152" cy="2819457"/>
+          </a:xfrm>
+          <a:prstGeom prst="rect">
+            <a:avLst/>
+          </a:prstGeom>
+        </p:spPr>
+      </p:pic>
+      <p:sp>
+        <p:nvSpPr>
+          <p:cNvPr id="4" name="文字方塊 3"/>
+          <p:cNvSpPr txBox="1"/>
+          <p:nvPr/>
+        </p:nvSpPr>
+        <p:spPr>
+          <a:xfrm>
+            <a:off x="673331" y="3474720"/>
+            <a:ext cx="2244436" cy="461665"/>
+          </a:xfrm>
+          <a:prstGeom prst="rect">
+            <a:avLst/>
+          </a:prstGeom>
+          <a:noFill/>
+        </p:spPr>
+        <p:txBody>
+          <a:bodyPr wrap="square" rtlCol="0">
+            <a:spAutoFit/>
+          </a:bodyPr>
+          <a:lstStyle/>
+          <a:p>
+            <a:r>
+              <a:rPr lang="en-US" altLang="zh-TW" sz="2400" dirty="0" smtClean="0"/>
+              <a:t>Html 1.html</a:t>
+            </a:r>
+            <a:endParaRPr lang="zh-TW" altLang="en-US" sz="2400" dirty="0"/>
+          </a:p>
+        </p:txBody>
+      </p:sp>
+    </p:spTree>
+    <p:extLst>
+      <p:ext uri="{BB962C8B-B14F-4D97-AF65-F5344CB8AC3E}">
+        <p14:creationId xmlns:p14="http://schemas.microsoft.com/office/powerpoint/2010/main" val="3816724915"/>
+      </p:ext>
+    </p:extLst>
+  </p:cSld>
+  <p:clrMapOvr>
+    <a:masterClrMapping/>
+  </p:clrMapOvr>
+</p:sld>
+</file>
+
+<file path=ppt/slides/slide14.xml><?xml version="1.0" encoding="utf-8"?>
+<p:sld xmlns:a="http://schemas.openxmlformats.org/drawingml/2006/main" xmlns:r="http://schemas.openxmlformats.org/officeDocument/2006/relationships" xmlns:p="http://schemas.openxmlformats.org/presentationml/2006/main">
+  <p:cSld>
+    <p:spTree>
+      <p:nvGrpSpPr>
+        <p:cNvPr id="1" name=""/>
+        <p:cNvGrpSpPr/>
+        <p:nvPr/>
+      </p:nvGrpSpPr>
+      <p:grpSpPr>
+        <a:xfrm>
+          <a:off x="0" y="0"/>
+          <a:ext cx="0" cy="0"/>
+          <a:chOff x="0" y="0"/>
+          <a:chExt cx="0" cy="0"/>
+        </a:xfrm>
+      </p:grpSpPr>
+      <p:pic>
+        <p:nvPicPr>
+          <p:cNvPr id="2" name="圖片 1"/>
+          <p:cNvPicPr>
+            <a:picLocks noChangeAspect="1"/>
+          </p:cNvPicPr>
+          <p:nvPr/>
+        </p:nvPicPr>
+        <p:blipFill>
+          <a:blip r:embed="rId2"/>
+          <a:stretch>
+            <a:fillRect/>
+          </a:stretch>
+        </p:blipFill>
+        <p:spPr>
+          <a:xfrm>
+            <a:off x="206477" y="296196"/>
+            <a:ext cx="5028463" cy="2849208"/>
+          </a:xfrm>
+          <a:prstGeom prst="rect">
+            <a:avLst/>
+          </a:prstGeom>
+        </p:spPr>
+      </p:pic>
+      <p:pic>
+        <p:nvPicPr>
+          <p:cNvPr id="3" name="圖片 2"/>
+          <p:cNvPicPr>
+            <a:picLocks noChangeAspect="1"/>
+          </p:cNvPicPr>
+          <p:nvPr/>
+        </p:nvPicPr>
+        <p:blipFill>
+          <a:blip r:embed="rId3"/>
+          <a:stretch>
+            <a:fillRect/>
+          </a:stretch>
+        </p:blipFill>
+        <p:spPr>
+          <a:xfrm>
+            <a:off x="3106058" y="2702529"/>
+            <a:ext cx="5802312" cy="4020305"/>
+          </a:xfrm>
+          <a:prstGeom prst="rect">
+            <a:avLst/>
+          </a:prstGeom>
+        </p:spPr>
+      </p:pic>
+      <p:sp>
+        <p:nvSpPr>
+          <p:cNvPr id="4" name="文字方塊 3"/>
+          <p:cNvSpPr txBox="1"/>
+          <p:nvPr/>
+        </p:nvSpPr>
+        <p:spPr>
+          <a:xfrm>
+            <a:off x="632460" y="3672840"/>
+            <a:ext cx="1740903" cy="461665"/>
+          </a:xfrm>
+          <a:prstGeom prst="rect">
+            <a:avLst/>
+          </a:prstGeom>
+          <a:noFill/>
+        </p:spPr>
+        <p:txBody>
+          <a:bodyPr wrap="square" rtlCol="0">
+            <a:spAutoFit/>
+          </a:bodyPr>
+          <a:lstStyle/>
+          <a:p>
+            <a:r>
+              <a:rPr lang="en-US" altLang="zh-TW" dirty="0" smtClean="0"/>
+              <a:t>Html </a:t>
+            </a:r>
+            <a:r>
+              <a:rPr lang="en-US" altLang="zh-TW" sz="2400" dirty="0" smtClean="0"/>
+              <a:t>2.html</a:t>
+            </a:r>
+            <a:endParaRPr lang="zh-TW" altLang="en-US" dirty="0"/>
+          </a:p>
+        </p:txBody>
+      </p:sp>
+    </p:spTree>
+    <p:extLst>
+      <p:ext uri="{BB962C8B-B14F-4D97-AF65-F5344CB8AC3E}">
+        <p14:creationId xmlns:p14="http://schemas.microsoft.com/office/powerpoint/2010/main" val="3167677151"/>
+      </p:ext>
+    </p:extLst>
+  </p:cSld>
+  <p:clrMapOvr>
+    <a:masterClrMapping/>
+  </p:clrMapOvr>
+</p:sld>
+</file>
+
+<file path=ppt/slides/slide15.xml><?xml version="1.0" encoding="utf-8"?>
+<p:sld xmlns:a="http://schemas.openxmlformats.org/drawingml/2006/main" xmlns:r="http://schemas.openxmlformats.org/officeDocument/2006/relationships" xmlns:p="http://schemas.openxmlformats.org/presentationml/2006/main">
+  <p:cSld>
+    <p:spTree>
+      <p:nvGrpSpPr>
+        <p:cNvPr id="1" name=""/>
+        <p:cNvGrpSpPr/>
+        <p:nvPr/>
+      </p:nvGrpSpPr>
+      <p:grpSpPr>
+        <a:xfrm>
+          <a:off x="0" y="0"/>
+          <a:ext cx="0" cy="0"/>
+          <a:chOff x="0" y="0"/>
+          <a:chExt cx="0" cy="0"/>
+        </a:xfrm>
+      </p:grpSpPr>
+      <p:pic>
+        <p:nvPicPr>
+          <p:cNvPr id="2" name="圖片 1"/>
+          <p:cNvPicPr>
+            <a:picLocks noChangeAspect="1"/>
+          </p:cNvPicPr>
+          <p:nvPr/>
+        </p:nvPicPr>
+        <p:blipFill>
+          <a:blip r:embed="rId2"/>
+          <a:stretch>
+            <a:fillRect/>
+          </a:stretch>
+        </p:blipFill>
+        <p:spPr>
+          <a:xfrm>
+            <a:off x="419100" y="0"/>
+            <a:ext cx="5978769" cy="3238500"/>
+          </a:xfrm>
+          <a:prstGeom prst="rect">
+            <a:avLst/>
+          </a:prstGeom>
+        </p:spPr>
+      </p:pic>
+      <p:pic>
+        <p:nvPicPr>
+          <p:cNvPr id="3" name="圖片 2"/>
+          <p:cNvPicPr>
+            <a:picLocks noChangeAspect="1"/>
+          </p:cNvPicPr>
+          <p:nvPr/>
+        </p:nvPicPr>
+        <p:blipFill>
+          <a:blip r:embed="rId3"/>
+          <a:stretch>
+            <a:fillRect/>
+          </a:stretch>
+        </p:blipFill>
+        <p:spPr>
+          <a:xfrm>
+            <a:off x="1238251" y="3448050"/>
+            <a:ext cx="5943600" cy="3219450"/>
+          </a:xfrm>
+          <a:prstGeom prst="rect">
+            <a:avLst/>
+          </a:prstGeom>
+        </p:spPr>
+      </p:pic>
+      <p:sp>
+        <p:nvSpPr>
+          <p:cNvPr id="4" name="文字方塊 3"/>
+          <p:cNvSpPr txBox="1"/>
+          <p:nvPr/>
+        </p:nvSpPr>
+        <p:spPr>
+          <a:xfrm>
+            <a:off x="7162800" y="1428750"/>
+            <a:ext cx="1657350" cy="369332"/>
+          </a:xfrm>
+          <a:prstGeom prst="rect">
+            <a:avLst/>
+          </a:prstGeom>
+          <a:noFill/>
+        </p:spPr>
+        <p:txBody>
+          <a:bodyPr wrap="square" rtlCol="0">
+            <a:spAutoFit/>
+          </a:bodyPr>
+          <a:lstStyle/>
+          <a:p>
+            <a:r>
+              <a:rPr lang="en-US" altLang="zh-TW" dirty="0" smtClean="0"/>
+              <a:t>Html 3.html</a:t>
+            </a:r>
+            <a:endParaRPr lang="zh-TW" altLang="en-US" dirty="0"/>
+          </a:p>
+        </p:txBody>
+      </p:sp>
+    </p:spTree>
+    <p:extLst>
+      <p:ext uri="{BB962C8B-B14F-4D97-AF65-F5344CB8AC3E}">
+        <p14:creationId xmlns:p14="http://schemas.microsoft.com/office/powerpoint/2010/main" val="1473984046"/>
+      </p:ext>
+    </p:extLst>
+  </p:cSld>
+  <p:clrMapOvr>
+    <a:masterClrMapping/>
+  </p:clrMapOvr>
+</p:sld>
+</file>
+
+<file path=ppt/slides/slide16.xml><?xml version="1.0" encoding="utf-8"?>
+<p:sld xmlns:a="http://schemas.openxmlformats.org/drawingml/2006/main" xmlns:r="http://schemas.openxmlformats.org/officeDocument/2006/relationships" xmlns:p="http://schemas.openxmlformats.org/presentationml/2006/main">
+  <p:cSld>
+    <p:spTree>
+      <p:nvGrpSpPr>
+        <p:cNvPr id="1" name=""/>
+        <p:cNvGrpSpPr/>
+        <p:nvPr/>
+      </p:nvGrpSpPr>
+      <p:grpSpPr>
+        <a:xfrm>
+          <a:off x="0" y="0"/>
+          <a:ext cx="0" cy="0"/>
+          <a:chOff x="0" y="0"/>
+          <a:chExt cx="0" cy="0"/>
+        </a:xfrm>
+      </p:grpSpPr>
+      <p:pic>
+        <p:nvPicPr>
+          <p:cNvPr id="2" name="圖片 1"/>
+          <p:cNvPicPr>
+            <a:picLocks noChangeAspect="1"/>
+          </p:cNvPicPr>
+          <p:nvPr/>
+        </p:nvPicPr>
+        <p:blipFill>
+          <a:blip r:embed="rId2"/>
+          <a:stretch>
+            <a:fillRect/>
+          </a:stretch>
+        </p:blipFill>
+        <p:spPr>
+          <a:xfrm>
+            <a:off x="38100" y="76200"/>
+            <a:ext cx="6013939" cy="3257550"/>
+          </a:xfrm>
+          <a:prstGeom prst="rect">
+            <a:avLst/>
+          </a:prstGeom>
+        </p:spPr>
+      </p:pic>
+      <p:pic>
+        <p:nvPicPr>
+          <p:cNvPr id="3" name="圖片 2"/>
+          <p:cNvPicPr>
+            <a:picLocks noChangeAspect="1"/>
+          </p:cNvPicPr>
+          <p:nvPr/>
+        </p:nvPicPr>
+        <p:blipFill>
+          <a:blip r:embed="rId3"/>
+          <a:stretch>
+            <a:fillRect/>
+          </a:stretch>
+        </p:blipFill>
+        <p:spPr>
+          <a:xfrm>
+            <a:off x="2235200" y="3494879"/>
+            <a:ext cx="6013939" cy="3257551"/>
+          </a:xfrm>
+          <a:prstGeom prst="rect">
+            <a:avLst/>
+          </a:prstGeom>
+        </p:spPr>
+      </p:pic>
+      <p:sp>
+        <p:nvSpPr>
+          <p:cNvPr id="4" name="文字方塊 3"/>
+          <p:cNvSpPr txBox="1"/>
+          <p:nvPr/>
+        </p:nvSpPr>
+        <p:spPr>
+          <a:xfrm>
+            <a:off x="6581775" y="2881313"/>
+            <a:ext cx="1909763" cy="461665"/>
+          </a:xfrm>
+          <a:prstGeom prst="rect">
+            <a:avLst/>
+          </a:prstGeom>
+          <a:noFill/>
+        </p:spPr>
+        <p:txBody>
+          <a:bodyPr wrap="square" rtlCol="0">
+            <a:spAutoFit/>
+          </a:bodyPr>
+          <a:lstStyle/>
+          <a:p>
+            <a:r>
+              <a:rPr lang="en-US" altLang="zh-TW" sz="2400" dirty="0" smtClean="0"/>
+              <a:t>Html 4.html</a:t>
+            </a:r>
+            <a:endParaRPr lang="zh-TW" altLang="en-US" sz="2400" dirty="0"/>
+          </a:p>
+        </p:txBody>
+      </p:sp>
+    </p:spTree>
+    <p:extLst>
+      <p:ext uri="{BB962C8B-B14F-4D97-AF65-F5344CB8AC3E}">
+        <p14:creationId xmlns:p14="http://schemas.microsoft.com/office/powerpoint/2010/main" val="3340788201"/>
+      </p:ext>
+    </p:extLst>
+  </p:cSld>
+  <p:clrMapOvr>
+    <a:masterClrMapping/>
+  </p:clrMapOvr>
+</p:sld>
+</file>
+
+<file path=ppt/slides/slide17.xml><?xml version="1.0" encoding="utf-8"?>
+<p:sld xmlns:a="http://schemas.openxmlformats.org/drawingml/2006/main" xmlns:r="http://schemas.openxmlformats.org/officeDocument/2006/relationships" xmlns:p="http://schemas.openxmlformats.org/presentationml/2006/main">
+  <p:cSld>
+    <p:spTree>
+      <p:nvGrpSpPr>
+        <p:cNvPr id="1" name=""/>
+        <p:cNvGrpSpPr/>
+        <p:nvPr/>
+      </p:nvGrpSpPr>
+      <p:grpSpPr>
+        <a:xfrm>
+          <a:off x="0" y="0"/>
+          <a:ext cx="0" cy="0"/>
+          <a:chOff x="0" y="0"/>
+          <a:chExt cx="0" cy="0"/>
+        </a:xfrm>
+      </p:grpSpPr>
+      <p:pic>
+        <p:nvPicPr>
+          <p:cNvPr id="2" name="圖片 1"/>
+          <p:cNvPicPr>
+            <a:picLocks noChangeAspect="1"/>
+          </p:cNvPicPr>
+          <p:nvPr/>
+        </p:nvPicPr>
+        <p:blipFill>
+          <a:blip r:embed="rId2"/>
+          <a:stretch>
+            <a:fillRect/>
+          </a:stretch>
+        </p:blipFill>
+        <p:spPr>
+          <a:xfrm>
+            <a:off x="412956" y="251951"/>
+            <a:ext cx="5014452" cy="2716162"/>
+          </a:xfrm>
+          <a:prstGeom prst="rect">
+            <a:avLst/>
+          </a:prstGeom>
+        </p:spPr>
+      </p:pic>
+      <p:pic>
+        <p:nvPicPr>
+          <p:cNvPr id="3" name="圖片 2"/>
+          <p:cNvPicPr>
+            <a:picLocks noChangeAspect="1"/>
+          </p:cNvPicPr>
+          <p:nvPr/>
+        </p:nvPicPr>
+        <p:blipFill>
+          <a:blip r:embed="rId3"/>
+          <a:stretch>
+            <a:fillRect/>
+          </a:stretch>
+        </p:blipFill>
+        <p:spPr>
+          <a:xfrm>
+            <a:off x="412956" y="3307837"/>
+            <a:ext cx="6057900" cy="3281363"/>
+          </a:xfrm>
+          <a:prstGeom prst="rect">
+            <a:avLst/>
+          </a:prstGeom>
+        </p:spPr>
+      </p:pic>
+      <p:sp>
+        <p:nvSpPr>
+          <p:cNvPr id="4" name="文字方塊 3"/>
+          <p:cNvSpPr txBox="1"/>
+          <p:nvPr/>
+        </p:nvSpPr>
+        <p:spPr>
+          <a:xfrm>
+            <a:off x="6648450" y="1793384"/>
+            <a:ext cx="1924050" cy="461665"/>
+          </a:xfrm>
+          <a:prstGeom prst="rect">
+            <a:avLst/>
+          </a:prstGeom>
+          <a:noFill/>
+        </p:spPr>
+        <p:txBody>
+          <a:bodyPr wrap="square" rtlCol="0" anchor="ctr">
+            <a:spAutoFit/>
+          </a:bodyPr>
+          <a:lstStyle/>
+          <a:p>
+            <a:r>
+              <a:rPr lang="en-US" altLang="zh-TW" dirty="0" smtClean="0"/>
+              <a:t>Ht</a:t>
+            </a:r>
+            <a:r>
+              <a:rPr lang="en-US" altLang="zh-TW" sz="2400" dirty="0" smtClean="0"/>
+              <a:t>m</a:t>
+            </a:r>
+            <a:r>
+              <a:rPr lang="en-US" altLang="zh-TW" dirty="0" smtClean="0"/>
+              <a:t>l 5.html</a:t>
+            </a:r>
+            <a:endParaRPr lang="zh-TW" altLang="en-US" dirty="0"/>
+          </a:p>
+        </p:txBody>
+      </p:sp>
+    </p:spTree>
+    <p:extLst>
+      <p:ext uri="{BB962C8B-B14F-4D97-AF65-F5344CB8AC3E}">
+        <p14:creationId xmlns:p14="http://schemas.microsoft.com/office/powerpoint/2010/main" val="3918520336"/>
+      </p:ext>
+    </p:extLst>
+  </p:cSld>
+  <p:clrMapOvr>
+    <a:masterClrMapping/>
+  </p:clrMapOvr>
+</p:sld>
+</file>
+
+<file path=ppt/slides/slide18.xml><?xml version="1.0" encoding="utf-8"?>
+<p:sld xmlns:a="http://schemas.openxmlformats.org/drawingml/2006/main" xmlns:r="http://schemas.openxmlformats.org/officeDocument/2006/relationships" xmlns:p="http://schemas.openxmlformats.org/presentationml/2006/main">
+  <p:cSld>
+    <p:spTree>
+      <p:nvGrpSpPr>
+        <p:cNvPr id="1" name=""/>
+        <p:cNvGrpSpPr/>
+        <p:nvPr/>
+      </p:nvGrpSpPr>
+      <p:grpSpPr>
+        <a:xfrm>
+          <a:off x="0" y="0"/>
+          <a:ext cx="0" cy="0"/>
+          <a:chOff x="0" y="0"/>
+          <a:chExt cx="0" cy="0"/>
+        </a:xfrm>
+      </p:grpSpPr>
+      <p:pic>
+        <p:nvPicPr>
+          <p:cNvPr id="2" name="圖片 1"/>
+          <p:cNvPicPr>
+            <a:picLocks noChangeAspect="1"/>
+          </p:cNvPicPr>
+          <p:nvPr/>
+        </p:nvPicPr>
+        <p:blipFill>
+          <a:blip r:embed="rId2"/>
+          <a:stretch>
+            <a:fillRect/>
+          </a:stretch>
+        </p:blipFill>
+        <p:spPr>
+          <a:xfrm>
+            <a:off x="0" y="0"/>
+            <a:ext cx="5676900" cy="3074988"/>
+          </a:xfrm>
+          <a:prstGeom prst="rect">
+            <a:avLst/>
+          </a:prstGeom>
+        </p:spPr>
+      </p:pic>
+      <p:pic>
+        <p:nvPicPr>
+          <p:cNvPr id="3" name="圖片 2"/>
+          <p:cNvPicPr>
+            <a:picLocks noChangeAspect="1"/>
+          </p:cNvPicPr>
+          <p:nvPr/>
+        </p:nvPicPr>
+        <p:blipFill>
+          <a:blip r:embed="rId3"/>
+          <a:stretch>
+            <a:fillRect/>
+          </a:stretch>
+        </p:blipFill>
+        <p:spPr>
+          <a:xfrm>
+            <a:off x="0" y="3545681"/>
+            <a:ext cx="6115050" cy="3312319"/>
+          </a:xfrm>
+          <a:prstGeom prst="rect">
+            <a:avLst/>
+          </a:prstGeom>
+        </p:spPr>
+      </p:pic>
+      <p:sp>
+        <p:nvSpPr>
+          <p:cNvPr id="4" name="文字方塊 3"/>
+          <p:cNvSpPr txBox="1"/>
+          <p:nvPr/>
+        </p:nvSpPr>
+        <p:spPr>
+          <a:xfrm>
+            <a:off x="6610350" y="2552700"/>
+            <a:ext cx="2114550" cy="369332"/>
+          </a:xfrm>
+          <a:prstGeom prst="rect">
+            <a:avLst/>
+          </a:prstGeom>
+          <a:noFill/>
+        </p:spPr>
+        <p:txBody>
+          <a:bodyPr wrap="square" rtlCol="0">
+            <a:spAutoFit/>
+          </a:bodyPr>
+          <a:lstStyle/>
+          <a:p>
+            <a:r>
+              <a:rPr lang="en-US" altLang="zh-TW" dirty="0" smtClean="0"/>
+              <a:t>Index.html</a:t>
+            </a:r>
+            <a:endParaRPr lang="zh-TW" altLang="en-US" dirty="0"/>
+          </a:p>
+        </p:txBody>
+      </p:sp>
+    </p:spTree>
+    <p:extLst>
+      <p:ext uri="{BB962C8B-B14F-4D97-AF65-F5344CB8AC3E}">
+        <p14:creationId xmlns:p14="http://schemas.microsoft.com/office/powerpoint/2010/main" val="3092880495"/>
+      </p:ext>
+    </p:extLst>
+  </p:cSld>
+  <p:clrMapOvr>
+    <a:masterClrMapping/>
+  </p:clrMapOvr>
+</p:sld>
+</file>
+
+<file path=ppt/slides/slide19.xml><?xml version="1.0" encoding="utf-8"?>
+<p:sld xmlns:a="http://schemas.openxmlformats.org/drawingml/2006/main" xmlns:r="http://schemas.openxmlformats.org/officeDocument/2006/relationships" xmlns:p="http://schemas.openxmlformats.org/presentationml/2006/main">
+  <p:cSld>
+    <p:spTree>
+      <p:nvGrpSpPr>
+        <p:cNvPr id="1" name=""/>
+        <p:cNvGrpSpPr/>
+        <p:nvPr/>
+      </p:nvGrpSpPr>
+      <p:grpSpPr>
+        <a:xfrm>
+          <a:off x="0" y="0"/>
+          <a:ext cx="0" cy="0"/>
+          <a:chOff x="0" y="0"/>
+          <a:chExt cx="0" cy="0"/>
+        </a:xfrm>
+      </p:grpSpPr>
       <p:sp>
         <p:nvSpPr>
           <p:cNvPr id="2" name="標題 1"/>
@@ -3766,7 +4432,132 @@
 </p:sld>
 </file>
 
-<file path=ppt/slides/slide14.xml><?xml version="1.0" encoding="utf-8"?>
+<file path=ppt/slides/slide2.xml><?xml version="1.0" encoding="utf-8"?>
+<p:sld xmlns:a="http://schemas.openxmlformats.org/drawingml/2006/main" xmlns:r="http://schemas.openxmlformats.org/officeDocument/2006/relationships" xmlns:p="http://schemas.openxmlformats.org/presentationml/2006/main">
+  <p:cSld>
+    <p:spTree>
+      <p:nvGrpSpPr>
+        <p:cNvPr id="1" name=""/>
+        <p:cNvGrpSpPr/>
+        <p:nvPr/>
+      </p:nvGrpSpPr>
+      <p:grpSpPr>
+        <a:xfrm>
+          <a:off x="0" y="0"/>
+          <a:ext cx="0" cy="0"/>
+          <a:chOff x="0" y="0"/>
+          <a:chExt cx="0" cy="0"/>
+        </a:xfrm>
+      </p:grpSpPr>
+      <p:sp>
+        <p:nvSpPr>
+          <p:cNvPr id="2" name="標題 1"/>
+          <p:cNvSpPr>
+            <a:spLocks noGrp="1"/>
+          </p:cNvSpPr>
+          <p:nvPr>
+            <p:ph type="ctrTitle"/>
+          </p:nvPr>
+        </p:nvSpPr>
+        <p:spPr>
+          <a:xfrm>
+            <a:off x="1102240" y="1872394"/>
+            <a:ext cx="6939520" cy="1645920"/>
+          </a:xfrm>
+        </p:spPr>
+        <p:txBody>
+          <a:bodyPr/>
+          <a:lstStyle/>
+          <a:p>
+            <a:r>
+              <a:rPr lang="en-US" altLang="zh-TW" dirty="0" smtClean="0"/>
+              <a:t>agenda</a:t>
+            </a:r>
+            <a:endParaRPr lang="zh-TW" altLang="en-US" dirty="0"/>
+          </a:p>
+        </p:txBody>
+      </p:sp>
+      <p:sp>
+        <p:nvSpPr>
+          <p:cNvPr id="3" name="內容版面配置區 2"/>
+          <p:cNvSpPr>
+            <a:spLocks noGrp="1"/>
+          </p:cNvSpPr>
+          <p:nvPr>
+            <p:ph type="subTitle" idx="1"/>
+          </p:nvPr>
+        </p:nvSpPr>
+        <p:spPr>
+          <a:xfrm>
+            <a:off x="2021395" y="3730244"/>
+            <a:ext cx="5101209" cy="1239894"/>
+          </a:xfrm>
+        </p:spPr>
+        <p:txBody>
+          <a:bodyPr>
+            <a:noAutofit/>
+          </a:bodyPr>
+          <a:lstStyle/>
+          <a:p>
+            <a:r>
+              <a:rPr lang="en-US" altLang="zh-TW" sz="1800" dirty="0" smtClean="0"/>
+              <a:t>Web programming</a:t>
+            </a:r>
+          </a:p>
+          <a:p>
+            <a:r>
+              <a:rPr lang="en-US" altLang="zh-TW" sz="1800" dirty="0" smtClean="0"/>
+              <a:t>Web server and database</a:t>
+            </a:r>
+          </a:p>
+          <a:p>
+            <a:r>
+              <a:rPr lang="en-US" altLang="zh-TW" sz="1800" dirty="0" smtClean="0"/>
+              <a:t>HTML programming</a:t>
+            </a:r>
+          </a:p>
+          <a:p>
+            <a:r>
+              <a:rPr lang="en-US" altLang="zh-TW" sz="1800" dirty="0" smtClean="0"/>
+              <a:t>CSS</a:t>
+            </a:r>
+          </a:p>
+          <a:p>
+            <a:r>
+              <a:rPr lang="en-US" altLang="zh-TW" sz="1800" dirty="0" smtClean="0"/>
+              <a:t>Server side programming (PHP)</a:t>
+            </a:r>
+          </a:p>
+          <a:p>
+            <a:r>
+              <a:rPr lang="en-US" altLang="zh-TW" sz="1800" dirty="0" err="1" smtClean="0"/>
+              <a:t>JAVAscript</a:t>
+            </a:r>
+            <a:endParaRPr lang="en-US" altLang="zh-TW" sz="1800" dirty="0" smtClean="0"/>
+          </a:p>
+          <a:p>
+            <a:r>
+              <a:rPr lang="en-US" altLang="zh-TW" sz="1800" dirty="0" smtClean="0"/>
+              <a:t>My funny web site</a:t>
+            </a:r>
+            <a:endParaRPr lang="zh-TW" altLang="en-US" sz="1800" dirty="0"/>
+          </a:p>
+        </p:txBody>
+      </p:sp>
+    </p:spTree>
+    <p:extLst>
+      <p:ext uri="{BB962C8B-B14F-4D97-AF65-F5344CB8AC3E}">
+        <p14:creationId xmlns:p14="http://schemas.microsoft.com/office/powerpoint/2010/main" val="1363586950"/>
+      </p:ext>
+    </p:extLst>
+  </p:cSld>
+  <p:clrMapOvr>
+    <a:masterClrMapping/>
+  </p:clrMapOvr>
+</p:sld>
+</file>
+
+<file path=ppt/slides/slide20.xml><?xml version="1.0" encoding="utf-8"?>
 <p:sld xmlns:a="http://schemas.openxmlformats.org/drawingml/2006/main" xmlns:r="http://schemas.openxmlformats.org/officeDocument/2006/relationships" xmlns:p="http://schemas.openxmlformats.org/presentationml/2006/main">
   <p:cSld>
     <p:spTree>
@@ -4210,7 +5001,7 @@
 </p:sld>
 </file>
 
-<file path=ppt/slides/slide15.xml><?xml version="1.0" encoding="utf-8"?>
+<file path=ppt/slides/slide21.xml><?xml version="1.0" encoding="utf-8"?>
 <p:sld xmlns:a="http://schemas.openxmlformats.org/drawingml/2006/main" xmlns:r="http://schemas.openxmlformats.org/officeDocument/2006/relationships" xmlns:p="http://schemas.openxmlformats.org/presentationml/2006/main">
   <p:cSld>
     <p:spTree>
@@ -4425,7 +5216,7 @@
 </p:sld>
 </file>
 
-<file path=ppt/slides/slide16.xml><?xml version="1.0" encoding="utf-8"?>
+<file path=ppt/slides/slide22.xml><?xml version="1.0" encoding="utf-8"?>
 <p:sld xmlns:a="http://schemas.openxmlformats.org/drawingml/2006/main" xmlns:r="http://schemas.openxmlformats.org/officeDocument/2006/relationships" xmlns:p="http://schemas.openxmlformats.org/presentationml/2006/main">
   <p:cSld>
     <p:spTree>
@@ -4533,7 +5324,7 @@
 </p:sld>
 </file>
 
-<file path=ppt/slides/slide17.xml><?xml version="1.0" encoding="utf-8"?>
+<file path=ppt/slides/slide23.xml><?xml version="1.0" encoding="utf-8"?>
 <p:sld xmlns:a="http://schemas.openxmlformats.org/drawingml/2006/main" xmlns:r="http://schemas.openxmlformats.org/officeDocument/2006/relationships" xmlns:p="http://schemas.openxmlformats.org/presentationml/2006/main">
   <p:cSld>
     <p:spTree>
@@ -4641,7 +5432,7 @@
 </p:sld>
 </file>
 
-<file path=ppt/slides/slide18.xml><?xml version="1.0" encoding="utf-8"?>
+<file path=ppt/slides/slide24.xml><?xml version="1.0" encoding="utf-8"?>
 <p:sld xmlns:a="http://schemas.openxmlformats.org/drawingml/2006/main" xmlns:r="http://schemas.openxmlformats.org/officeDocument/2006/relationships" xmlns:p="http://schemas.openxmlformats.org/presentationml/2006/main">
   <p:cSld>
     <p:spTree>
@@ -4749,7 +5540,7 @@
 </p:sld>
 </file>
 
-<file path=ppt/slides/slide19.xml><?xml version="1.0" encoding="utf-8"?>
+<file path=ppt/slides/slide25.xml><?xml version="1.0" encoding="utf-8"?>
 <p:sld xmlns:a="http://schemas.openxmlformats.org/drawingml/2006/main" xmlns:r="http://schemas.openxmlformats.org/officeDocument/2006/relationships" xmlns:p="http://schemas.openxmlformats.org/presentationml/2006/main">
   <p:cSld>
     <p:spTree>
@@ -4848,132 +5639,6 @@
     <p:extLst>
       <p:ext uri="{BB962C8B-B14F-4D97-AF65-F5344CB8AC3E}">
         <p14:creationId xmlns:p14="http://schemas.microsoft.com/office/powerpoint/2010/main" val="314394379"/>
-      </p:ext>
-    </p:extLst>
-  </p:cSld>
-  <p:clrMapOvr>
-    <a:masterClrMapping/>
-  </p:clrMapOvr>
-</p:sld>
-</file>
-
-<file path=ppt/slides/slide2.xml><?xml version="1.0" encoding="utf-8"?>
-<p:sld xmlns:a="http://schemas.openxmlformats.org/drawingml/2006/main" xmlns:r="http://schemas.openxmlformats.org/officeDocument/2006/relationships" xmlns:p="http://schemas.openxmlformats.org/presentationml/2006/main">
-  <p:cSld>
-    <p:spTree>
-      <p:nvGrpSpPr>
-        <p:cNvPr id="1" name=""/>
-        <p:cNvGrpSpPr/>
-        <p:nvPr/>
-      </p:nvGrpSpPr>
-      <p:grpSpPr>
-        <a:xfrm>
-          <a:off x="0" y="0"/>
-          <a:ext cx="0" cy="0"/>
-          <a:chOff x="0" y="0"/>
-          <a:chExt cx="0" cy="0"/>
-        </a:xfrm>
-      </p:grpSpPr>
-      <p:sp>
-        <p:nvSpPr>
-          <p:cNvPr id="2" name="標題 1"/>
-          <p:cNvSpPr>
-            <a:spLocks noGrp="1"/>
-          </p:cNvSpPr>
-          <p:nvPr>
-            <p:ph type="ctrTitle"/>
-          </p:nvPr>
-        </p:nvSpPr>
-        <p:spPr>
-          <a:xfrm>
-            <a:off x="1102240" y="1872394"/>
-            <a:ext cx="6939520" cy="1645920"/>
-          </a:xfrm>
-        </p:spPr>
-        <p:txBody>
-          <a:bodyPr/>
-          <a:lstStyle/>
-          <a:p>
-            <a:r>
-              <a:rPr lang="en-US" altLang="zh-TW" dirty="0" smtClean="0"/>
-              <a:t>agenda</a:t>
-            </a:r>
-            <a:endParaRPr lang="zh-TW" altLang="en-US" dirty="0"/>
-          </a:p>
-        </p:txBody>
-      </p:sp>
-      <p:sp>
-        <p:nvSpPr>
-          <p:cNvPr id="3" name="內容版面配置區 2"/>
-          <p:cNvSpPr>
-            <a:spLocks noGrp="1"/>
-          </p:cNvSpPr>
-          <p:nvPr>
-            <p:ph type="subTitle" idx="1"/>
-          </p:nvPr>
-        </p:nvSpPr>
-        <p:spPr>
-          <a:xfrm>
-            <a:off x="2021395" y="3730244"/>
-            <a:ext cx="5101209" cy="1239894"/>
-          </a:xfrm>
-        </p:spPr>
-        <p:txBody>
-          <a:bodyPr>
-            <a:noAutofit/>
-          </a:bodyPr>
-          <a:lstStyle/>
-          <a:p>
-            <a:r>
-              <a:rPr lang="en-US" altLang="zh-TW" sz="1800" dirty="0" smtClean="0"/>
-              <a:t>Web programming</a:t>
-            </a:r>
-          </a:p>
-          <a:p>
-            <a:r>
-              <a:rPr lang="en-US" altLang="zh-TW" sz="1800" dirty="0" smtClean="0"/>
-              <a:t>Web server and database</a:t>
-            </a:r>
-          </a:p>
-          <a:p>
-            <a:r>
-              <a:rPr lang="en-US" altLang="zh-TW" sz="1800" dirty="0" smtClean="0"/>
-              <a:t>HTML programming</a:t>
-            </a:r>
-          </a:p>
-          <a:p>
-            <a:r>
-              <a:rPr lang="en-US" altLang="zh-TW" sz="1800" dirty="0" smtClean="0"/>
-              <a:t>CSS</a:t>
-            </a:r>
-          </a:p>
-          <a:p>
-            <a:r>
-              <a:rPr lang="en-US" altLang="zh-TW" sz="1800" dirty="0" smtClean="0"/>
-              <a:t>Server side programming (PHP)</a:t>
-            </a:r>
-            <a:endParaRPr lang="en-US" altLang="zh-TW" sz="1800" dirty="0" smtClean="0"/>
-          </a:p>
-          <a:p>
-            <a:r>
-              <a:rPr lang="en-US" altLang="zh-TW" sz="1800" dirty="0" err="1" smtClean="0"/>
-              <a:t>JAVAscript</a:t>
-            </a:r>
-            <a:endParaRPr lang="en-US" altLang="zh-TW" sz="1800" dirty="0" smtClean="0"/>
-          </a:p>
-          <a:p>
-            <a:r>
-              <a:rPr lang="en-US" altLang="zh-TW" sz="1800" dirty="0" smtClean="0"/>
-              <a:t>My funny web site</a:t>
-            </a:r>
-            <a:endParaRPr lang="zh-TW" altLang="en-US" sz="1800" dirty="0"/>
-          </a:p>
-        </p:txBody>
-      </p:sp>
-    </p:spTree>
-    <p:extLst>
-      <p:ext uri="{BB962C8B-B14F-4D97-AF65-F5344CB8AC3E}">
-        <p14:creationId xmlns:p14="http://schemas.microsoft.com/office/powerpoint/2010/main" val="1363586950"/>
       </p:ext>
     </p:extLst>
   </p:cSld>
